--- a/중간/설계도(수정필요).pptx
+++ b/중간/설계도(수정필요).pptx
@@ -105,6 +105,11 @@
       </a:defRPr>
     </a:lvl9pPr>
   </p:defaultTextStyle>
+  <p:extLst>
+    <p:ext uri="{EFAFB233-063F-42B5-8137-9DF3F51BA10A}">
+      <p15:sldGuideLst xmlns:p15="http://schemas.microsoft.com/office/powerpoint/2012/main"/>
+    </p:ext>
+  </p:extLst>
 </p:presentation>
 </file>
 
@@ -255,7 +260,7 @@
           <a:p>
             <a:fld id="{EC8A3B3C-FA53-4BA8-9CFF-3FCC2133F772}" type="datetimeFigureOut">
               <a:rPr lang="ko-KR" altLang="en-US" smtClean="0"/>
-              <a:t>2020-05-10</a:t>
+              <a:t>2020-05-17</a:t>
             </a:fld>
             <a:endParaRPr lang="ko-KR" altLang="en-US"/>
           </a:p>
@@ -453,7 +458,7 @@
           <a:p>
             <a:fld id="{EC8A3B3C-FA53-4BA8-9CFF-3FCC2133F772}" type="datetimeFigureOut">
               <a:rPr lang="ko-KR" altLang="en-US" smtClean="0"/>
-              <a:t>2020-05-10</a:t>
+              <a:t>2020-05-17</a:t>
             </a:fld>
             <a:endParaRPr lang="ko-KR" altLang="en-US"/>
           </a:p>
@@ -661,7 +666,7 @@
           <a:p>
             <a:fld id="{EC8A3B3C-FA53-4BA8-9CFF-3FCC2133F772}" type="datetimeFigureOut">
               <a:rPr lang="ko-KR" altLang="en-US" smtClean="0"/>
-              <a:t>2020-05-10</a:t>
+              <a:t>2020-05-17</a:t>
             </a:fld>
             <a:endParaRPr lang="ko-KR" altLang="en-US"/>
           </a:p>
@@ -859,7 +864,7 @@
           <a:p>
             <a:fld id="{EC8A3B3C-FA53-4BA8-9CFF-3FCC2133F772}" type="datetimeFigureOut">
               <a:rPr lang="ko-KR" altLang="en-US" smtClean="0"/>
-              <a:t>2020-05-10</a:t>
+              <a:t>2020-05-17</a:t>
             </a:fld>
             <a:endParaRPr lang="ko-KR" altLang="en-US"/>
           </a:p>
@@ -1134,7 +1139,7 @@
           <a:p>
             <a:fld id="{EC8A3B3C-FA53-4BA8-9CFF-3FCC2133F772}" type="datetimeFigureOut">
               <a:rPr lang="ko-KR" altLang="en-US" smtClean="0"/>
-              <a:t>2020-05-10</a:t>
+              <a:t>2020-05-17</a:t>
             </a:fld>
             <a:endParaRPr lang="ko-KR" altLang="en-US"/>
           </a:p>
@@ -1399,7 +1404,7 @@
           <a:p>
             <a:fld id="{EC8A3B3C-FA53-4BA8-9CFF-3FCC2133F772}" type="datetimeFigureOut">
               <a:rPr lang="ko-KR" altLang="en-US" smtClean="0"/>
-              <a:t>2020-05-10</a:t>
+              <a:t>2020-05-17</a:t>
             </a:fld>
             <a:endParaRPr lang="ko-KR" altLang="en-US"/>
           </a:p>
@@ -1811,7 +1816,7 @@
           <a:p>
             <a:fld id="{EC8A3B3C-FA53-4BA8-9CFF-3FCC2133F772}" type="datetimeFigureOut">
               <a:rPr lang="ko-KR" altLang="en-US" smtClean="0"/>
-              <a:t>2020-05-10</a:t>
+              <a:t>2020-05-17</a:t>
             </a:fld>
             <a:endParaRPr lang="ko-KR" altLang="en-US"/>
           </a:p>
@@ -1952,7 +1957,7 @@
           <a:p>
             <a:fld id="{EC8A3B3C-FA53-4BA8-9CFF-3FCC2133F772}" type="datetimeFigureOut">
               <a:rPr lang="ko-KR" altLang="en-US" smtClean="0"/>
-              <a:t>2020-05-10</a:t>
+              <a:t>2020-05-17</a:t>
             </a:fld>
             <a:endParaRPr lang="ko-KR" altLang="en-US"/>
           </a:p>
@@ -2065,7 +2070,7 @@
           <a:p>
             <a:fld id="{EC8A3B3C-FA53-4BA8-9CFF-3FCC2133F772}" type="datetimeFigureOut">
               <a:rPr lang="ko-KR" altLang="en-US" smtClean="0"/>
-              <a:t>2020-05-10</a:t>
+              <a:t>2020-05-17</a:t>
             </a:fld>
             <a:endParaRPr lang="ko-KR" altLang="en-US"/>
           </a:p>
@@ -2376,7 +2381,7 @@
           <a:p>
             <a:fld id="{EC8A3B3C-FA53-4BA8-9CFF-3FCC2133F772}" type="datetimeFigureOut">
               <a:rPr lang="ko-KR" altLang="en-US" smtClean="0"/>
-              <a:t>2020-05-10</a:t>
+              <a:t>2020-05-17</a:t>
             </a:fld>
             <a:endParaRPr lang="ko-KR" altLang="en-US"/>
           </a:p>
@@ -2664,7 +2669,7 @@
           <a:p>
             <a:fld id="{EC8A3B3C-FA53-4BA8-9CFF-3FCC2133F772}" type="datetimeFigureOut">
               <a:rPr lang="ko-KR" altLang="en-US" smtClean="0"/>
-              <a:t>2020-05-10</a:t>
+              <a:t>2020-05-17</a:t>
             </a:fld>
             <a:endParaRPr lang="ko-KR" altLang="en-US"/>
           </a:p>
@@ -2905,7 +2910,7 @@
           <a:p>
             <a:fld id="{EC8A3B3C-FA53-4BA8-9CFF-3FCC2133F772}" type="datetimeFigureOut">
               <a:rPr lang="ko-KR" altLang="en-US" smtClean="0"/>
-              <a:t>2020-05-10</a:t>
+              <a:t>2020-05-17</a:t>
             </a:fld>
             <a:endParaRPr lang="ko-KR" altLang="en-US"/>
           </a:p>
@@ -3306,7 +3311,7 @@
 </file>
 
 <file path=ppt/slides/slide1.xml><?xml version="1.0" encoding="utf-8"?>
-<p:sld xmlns:a="http://schemas.openxmlformats.org/drawingml/2006/main" xmlns:r="http://schemas.openxmlformats.org/officeDocument/2006/relationships" xmlns:p="http://schemas.openxmlformats.org/presentationml/2006/main">
+<p:sld xmlns:a="http://schemas.openxmlformats.org/drawingml/2006/main" xmlns:r="http://schemas.openxmlformats.org/officeDocument/2006/relationships" xmlns:p="http://schemas.openxmlformats.org/presentationml/2006/main" show="0">
   <p:cSld>
     <p:spTree>
       <p:nvGrpSpPr>
@@ -4387,6 +4392,2011 @@
           <a:chExt cx="0" cy="0"/>
         </a:xfrm>
       </p:grpSpPr>
+      <p:grpSp>
+        <p:nvGrpSpPr>
+          <p:cNvPr id="62" name="그룹 61">
+            <a:extLst>
+              <a:ext uri="{FF2B5EF4-FFF2-40B4-BE49-F238E27FC236}">
+                <a16:creationId xmlns:a16="http://schemas.microsoft.com/office/drawing/2014/main" id="{D45CF405-FAA6-4249-9EC0-A907BB61F5C2}"/>
+              </a:ext>
+            </a:extLst>
+          </p:cNvPr>
+          <p:cNvGrpSpPr/>
+          <p:nvPr/>
+        </p:nvGrpSpPr>
+        <p:grpSpPr>
+          <a:xfrm>
+            <a:off x="3363451" y="2050289"/>
+            <a:ext cx="5715240" cy="2757421"/>
+            <a:chOff x="1362529" y="1427034"/>
+            <a:chExt cx="5715240" cy="2757421"/>
+          </a:xfrm>
+        </p:grpSpPr>
+        <p:grpSp>
+          <p:nvGrpSpPr>
+            <p:cNvPr id="9" name="그룹 8">
+              <a:extLst>
+                <a:ext uri="{FF2B5EF4-FFF2-40B4-BE49-F238E27FC236}">
+                  <a16:creationId xmlns:a16="http://schemas.microsoft.com/office/drawing/2014/main" id="{40C78CD9-BE36-432D-9FBC-B6041660343C}"/>
+                </a:ext>
+              </a:extLst>
+            </p:cNvPr>
+            <p:cNvGrpSpPr/>
+            <p:nvPr/>
+          </p:nvGrpSpPr>
+          <p:grpSpPr>
+            <a:xfrm>
+              <a:off x="3039434" y="1427034"/>
+              <a:ext cx="1387736" cy="412524"/>
+              <a:chOff x="2807746" y="1559341"/>
+              <a:chExt cx="1467024" cy="495370"/>
+            </a:xfrm>
+          </p:grpSpPr>
+          <p:sp>
+            <p:nvSpPr>
+              <p:cNvPr id="2" name="직사각형 1">
+                <a:extLst>
+                  <a:ext uri="{FF2B5EF4-FFF2-40B4-BE49-F238E27FC236}">
+                    <a16:creationId xmlns:a16="http://schemas.microsoft.com/office/drawing/2014/main" id="{938DF8CD-3271-4629-A0C4-15378DA07DE8}"/>
+                  </a:ext>
+                </a:extLst>
+              </p:cNvPr>
+              <p:cNvSpPr/>
+              <p:nvPr/>
+            </p:nvSpPr>
+            <p:spPr>
+              <a:xfrm>
+                <a:off x="2916175" y="1593158"/>
+                <a:ext cx="1257793" cy="450795"/>
+              </a:xfrm>
+              <a:prstGeom prst="rect">
+                <a:avLst/>
+              </a:prstGeom>
+              <a:ln w="76200">
+                <a:noFill/>
+                <a:tailEnd type="triangle"/>
+              </a:ln>
+            </p:spPr>
+            <p:style>
+              <a:lnRef idx="1">
+                <a:schemeClr val="accent1"/>
+              </a:lnRef>
+              <a:fillRef idx="0">
+                <a:schemeClr val="accent1"/>
+              </a:fillRef>
+              <a:effectRef idx="0">
+                <a:schemeClr val="accent1"/>
+              </a:effectRef>
+              <a:fontRef idx="minor">
+                <a:schemeClr val="tx1"/>
+              </a:fontRef>
+            </p:style>
+            <p:txBody>
+              <a:bodyPr rtlCol="0" anchor="ctr"/>
+              <a:lstStyle/>
+              <a:p>
+                <a:pPr algn="ctr"/>
+                <a:r>
+                  <a:rPr lang="ko-KR" altLang="en-US" sz="1000" dirty="0">
+                    <a:solidFill>
+                      <a:schemeClr val="tx1"/>
+                    </a:solidFill>
+                  </a:rPr>
+                  <a:t>중소벤처기업부</a:t>
+                </a:r>
+                <a:endParaRPr lang="en-US" altLang="ko-KR" sz="1000" dirty="0">
+                  <a:solidFill>
+                    <a:schemeClr val="tx1"/>
+                  </a:solidFill>
+                </a:endParaRPr>
+              </a:p>
+              <a:p>
+                <a:pPr algn="ctr"/>
+                <a:r>
+                  <a:rPr lang="ko-KR" altLang="en-US" sz="1000" dirty="0">
+                    <a:solidFill>
+                      <a:schemeClr val="tx1"/>
+                    </a:solidFill>
+                  </a:rPr>
+                  <a:t>데이터</a:t>
+                </a:r>
+                <a:r>
+                  <a:rPr lang="en-US" altLang="ko-KR" sz="1000" dirty="0">
+                    <a:solidFill>
+                      <a:schemeClr val="tx1"/>
+                    </a:solidFill>
+                  </a:rPr>
+                  <a:t>(*.CSV)</a:t>
+                </a:r>
+                <a:endParaRPr lang="ko-KR" altLang="en-US" sz="1000" dirty="0">
+                  <a:solidFill>
+                    <a:schemeClr val="tx1"/>
+                  </a:solidFill>
+                </a:endParaRPr>
+              </a:p>
+            </p:txBody>
+          </p:sp>
+          <p:sp>
+            <p:nvSpPr>
+              <p:cNvPr id="5" name="직사각형 4">
+                <a:extLst>
+                  <a:ext uri="{FF2B5EF4-FFF2-40B4-BE49-F238E27FC236}">
+                    <a16:creationId xmlns:a16="http://schemas.microsoft.com/office/drawing/2014/main" id="{D8EA837D-7064-45F4-94F6-85310CC397A1}"/>
+                  </a:ext>
+                </a:extLst>
+              </p:cNvPr>
+              <p:cNvSpPr/>
+              <p:nvPr/>
+            </p:nvSpPr>
+            <p:spPr>
+              <a:xfrm>
+                <a:off x="2807746" y="1559341"/>
+                <a:ext cx="1467024" cy="495370"/>
+              </a:xfrm>
+              <a:prstGeom prst="rect">
+                <a:avLst/>
+              </a:prstGeom>
+              <a:ln w="6350">
+                <a:solidFill>
+                  <a:schemeClr val="accent1">
+                    <a:lumMod val="50000"/>
+                  </a:schemeClr>
+                </a:solidFill>
+                <a:tailEnd type="triangle"/>
+              </a:ln>
+            </p:spPr>
+            <p:style>
+              <a:lnRef idx="1">
+                <a:schemeClr val="accent1"/>
+              </a:lnRef>
+              <a:fillRef idx="0">
+                <a:schemeClr val="accent1"/>
+              </a:fillRef>
+              <a:effectRef idx="0">
+                <a:schemeClr val="accent1"/>
+              </a:effectRef>
+              <a:fontRef idx="minor">
+                <a:schemeClr val="tx1"/>
+              </a:fontRef>
+            </p:style>
+            <p:txBody>
+              <a:bodyPr rot="0" spcFirstLastPara="0" vertOverflow="overflow" horzOverflow="overflow" vert="horz" wrap="square" lIns="91440" tIns="45720" rIns="91440" bIns="45720" numCol="1" spcCol="0" rtlCol="0" fromWordArt="0" anchor="ctr" anchorCtr="0" forceAA="0" compatLnSpc="1">
+                <a:prstTxWarp prst="textNoShape">
+                  <a:avLst/>
+                </a:prstTxWarp>
+                <a:noAutofit/>
+              </a:bodyPr>
+              <a:lstStyle/>
+              <a:p>
+                <a:pPr algn="ctr"/>
+                <a:endParaRPr lang="en-US" altLang="ko-KR" sz="1000" dirty="0"/>
+              </a:p>
+            </p:txBody>
+          </p:sp>
+        </p:grpSp>
+        <p:grpSp>
+          <p:nvGrpSpPr>
+            <p:cNvPr id="10" name="그룹 9">
+              <a:extLst>
+                <a:ext uri="{FF2B5EF4-FFF2-40B4-BE49-F238E27FC236}">
+                  <a16:creationId xmlns:a16="http://schemas.microsoft.com/office/drawing/2014/main" id="{FF4E10C8-9FBF-495B-A15D-292475392ECA}"/>
+                </a:ext>
+              </a:extLst>
+            </p:cNvPr>
+            <p:cNvGrpSpPr/>
+            <p:nvPr/>
+          </p:nvGrpSpPr>
+          <p:grpSpPr>
+            <a:xfrm>
+              <a:off x="1362529" y="2367890"/>
+              <a:ext cx="2454202" cy="1791520"/>
+              <a:chOff x="1136723" y="2332805"/>
+              <a:chExt cx="3138047" cy="2192389"/>
+            </a:xfrm>
+          </p:grpSpPr>
+          <p:sp>
+            <p:nvSpPr>
+              <p:cNvPr id="4" name="직사각형 3">
+                <a:extLst>
+                  <a:ext uri="{FF2B5EF4-FFF2-40B4-BE49-F238E27FC236}">
+                    <a16:creationId xmlns:a16="http://schemas.microsoft.com/office/drawing/2014/main" id="{EE833AF2-A985-49AD-B37D-1DA794FC1921}"/>
+                  </a:ext>
+                </a:extLst>
+              </p:cNvPr>
+              <p:cNvSpPr/>
+              <p:nvPr/>
+            </p:nvSpPr>
+            <p:spPr>
+              <a:xfrm>
+                <a:off x="1136724" y="2332805"/>
+                <a:ext cx="3138046" cy="2192389"/>
+              </a:xfrm>
+              <a:prstGeom prst="rect">
+                <a:avLst/>
+              </a:prstGeom>
+              <a:ln w="6350">
+                <a:solidFill>
+                  <a:schemeClr val="accent1">
+                    <a:lumMod val="50000"/>
+                  </a:schemeClr>
+                </a:solidFill>
+                <a:tailEnd type="triangle"/>
+              </a:ln>
+            </p:spPr>
+            <p:style>
+              <a:lnRef idx="1">
+                <a:schemeClr val="accent1"/>
+              </a:lnRef>
+              <a:fillRef idx="0">
+                <a:schemeClr val="accent1"/>
+              </a:fillRef>
+              <a:effectRef idx="0">
+                <a:schemeClr val="accent1"/>
+              </a:effectRef>
+              <a:fontRef idx="minor">
+                <a:schemeClr val="tx1"/>
+              </a:fontRef>
+            </p:style>
+            <p:txBody>
+              <a:bodyPr rot="0" spcFirstLastPara="0" vertOverflow="overflow" horzOverflow="overflow" vert="horz" wrap="square" lIns="91440" tIns="45720" rIns="91440" bIns="45720" numCol="1" spcCol="0" rtlCol="0" fromWordArt="0" anchor="ctr" anchorCtr="0" forceAA="0" compatLnSpc="1">
+                <a:prstTxWarp prst="textNoShape">
+                  <a:avLst/>
+                </a:prstTxWarp>
+                <a:noAutofit/>
+              </a:bodyPr>
+              <a:lstStyle/>
+              <a:p>
+                <a:pPr algn="ctr"/>
+                <a:endParaRPr lang="en-US" altLang="ko-KR" sz="1000" b="1" dirty="0"/>
+              </a:p>
+            </p:txBody>
+          </p:sp>
+          <p:sp>
+            <p:nvSpPr>
+              <p:cNvPr id="6" name="직사각형 5">
+                <a:extLst>
+                  <a:ext uri="{FF2B5EF4-FFF2-40B4-BE49-F238E27FC236}">
+                    <a16:creationId xmlns:a16="http://schemas.microsoft.com/office/drawing/2014/main" id="{44032F3D-336D-45AC-85DD-4E904E2D9467}"/>
+                  </a:ext>
+                </a:extLst>
+              </p:cNvPr>
+              <p:cNvSpPr/>
+              <p:nvPr/>
+            </p:nvSpPr>
+            <p:spPr>
+              <a:xfrm>
+                <a:off x="1136723" y="2332805"/>
+                <a:ext cx="1626898" cy="450795"/>
+              </a:xfrm>
+              <a:prstGeom prst="rect">
+                <a:avLst/>
+              </a:prstGeom>
+              <a:ln w="76200">
+                <a:noFill/>
+                <a:tailEnd type="triangle"/>
+              </a:ln>
+            </p:spPr>
+            <p:style>
+              <a:lnRef idx="1">
+                <a:schemeClr val="accent1"/>
+              </a:lnRef>
+              <a:fillRef idx="0">
+                <a:schemeClr val="accent1"/>
+              </a:fillRef>
+              <a:effectRef idx="0">
+                <a:schemeClr val="accent1"/>
+              </a:effectRef>
+              <a:fontRef idx="minor">
+                <a:schemeClr val="tx1"/>
+              </a:fontRef>
+            </p:style>
+            <p:txBody>
+              <a:bodyPr rtlCol="0" anchor="ctr"/>
+              <a:lstStyle/>
+              <a:p>
+                <a:pPr algn="ctr"/>
+                <a:r>
+                  <a:rPr lang="en-US" altLang="ko-KR" sz="1000" dirty="0"/>
+                  <a:t>Python</a:t>
+                </a:r>
+              </a:p>
+              <a:p>
+                <a:pPr algn="ctr"/>
+                <a:r>
+                  <a:rPr lang="en-US" altLang="ko-KR" sz="1000" dirty="0"/>
+                  <a:t>(</a:t>
+                </a:r>
+                <a:r>
+                  <a:rPr lang="en-US" altLang="ko-KR" sz="1000" dirty="0" err="1"/>
+                  <a:t>Jupyter</a:t>
+                </a:r>
+                <a:r>
+                  <a:rPr lang="en-US" altLang="ko-KR" sz="1000" dirty="0"/>
+                  <a:t> Notebook)</a:t>
+                </a:r>
+                <a:endParaRPr lang="ko-KR" altLang="en-US" sz="1000" dirty="0">
+                  <a:solidFill>
+                    <a:schemeClr val="tx1"/>
+                  </a:solidFill>
+                </a:endParaRPr>
+              </a:p>
+            </p:txBody>
+          </p:sp>
+        </p:grpSp>
+        <p:sp>
+          <p:nvSpPr>
+            <p:cNvPr id="7" name="직사각형 6">
+              <a:extLst>
+                <a:ext uri="{FF2B5EF4-FFF2-40B4-BE49-F238E27FC236}">
+                  <a16:creationId xmlns:a16="http://schemas.microsoft.com/office/drawing/2014/main" id="{C7B4D679-17BF-4E64-9604-52908680B070}"/>
+                </a:ext>
+              </a:extLst>
+            </p:cNvPr>
+            <p:cNvSpPr/>
+            <p:nvPr/>
+          </p:nvSpPr>
+          <p:spPr>
+            <a:xfrm>
+              <a:off x="2639436" y="2107644"/>
+              <a:ext cx="979566" cy="240401"/>
+            </a:xfrm>
+            <a:prstGeom prst="rect">
+              <a:avLst/>
+            </a:prstGeom>
+            <a:ln w="76200">
+              <a:noFill/>
+              <a:tailEnd type="triangle"/>
+            </a:ln>
+          </p:spPr>
+          <p:style>
+            <a:lnRef idx="1">
+              <a:schemeClr val="accent1"/>
+            </a:lnRef>
+            <a:fillRef idx="0">
+              <a:schemeClr val="accent1"/>
+            </a:fillRef>
+            <a:effectRef idx="0">
+              <a:schemeClr val="accent1"/>
+            </a:effectRef>
+            <a:fontRef idx="minor">
+              <a:schemeClr val="tx1"/>
+            </a:fontRef>
+          </p:style>
+          <p:txBody>
+            <a:bodyPr rtlCol="0" anchor="ctr"/>
+            <a:lstStyle/>
+            <a:p>
+              <a:pPr algn="ctr"/>
+              <a:r>
+                <a:rPr lang="ko-KR" altLang="en-US" sz="900" dirty="0">
+                  <a:solidFill>
+                    <a:schemeClr val="tx1"/>
+                  </a:solidFill>
+                </a:rPr>
+                <a:t>데이터 수집</a:t>
+              </a:r>
+            </a:p>
+          </p:txBody>
+        </p:sp>
+        <p:sp>
+          <p:nvSpPr>
+            <p:cNvPr id="12" name="직사각형 11">
+              <a:extLst>
+                <a:ext uri="{FF2B5EF4-FFF2-40B4-BE49-F238E27FC236}">
+                  <a16:creationId xmlns:a16="http://schemas.microsoft.com/office/drawing/2014/main" id="{1B14B9DF-8DC8-46ED-B380-CDA730CB9701}"/>
+                </a:ext>
+              </a:extLst>
+            </p:cNvPr>
+            <p:cNvSpPr/>
+            <p:nvPr/>
+          </p:nvSpPr>
+          <p:spPr>
+            <a:xfrm>
+              <a:off x="2089901" y="2863999"/>
+              <a:ext cx="1224789" cy="330698"/>
+            </a:xfrm>
+            <a:prstGeom prst="rect">
+              <a:avLst/>
+            </a:prstGeom>
+            <a:ln w="6350">
+              <a:solidFill>
+                <a:schemeClr val="accent1">
+                  <a:lumMod val="50000"/>
+                </a:schemeClr>
+              </a:solidFill>
+              <a:tailEnd type="triangle"/>
+            </a:ln>
+          </p:spPr>
+          <p:style>
+            <a:lnRef idx="1">
+              <a:schemeClr val="accent1"/>
+            </a:lnRef>
+            <a:fillRef idx="0">
+              <a:schemeClr val="accent1"/>
+            </a:fillRef>
+            <a:effectRef idx="0">
+              <a:schemeClr val="accent1"/>
+            </a:effectRef>
+            <a:fontRef idx="minor">
+              <a:schemeClr val="tx1"/>
+            </a:fontRef>
+          </p:style>
+          <p:txBody>
+            <a:bodyPr rot="0" spcFirstLastPara="0" vertOverflow="overflow" horzOverflow="overflow" vert="horz" wrap="square" lIns="91440" tIns="45720" rIns="91440" bIns="45720" numCol="1" spcCol="0" rtlCol="0" fromWordArt="0" anchor="ctr" anchorCtr="0" forceAA="0" compatLnSpc="1">
+              <a:prstTxWarp prst="textNoShape">
+                <a:avLst/>
+              </a:prstTxWarp>
+              <a:noAutofit/>
+            </a:bodyPr>
+            <a:lstStyle/>
+            <a:p>
+              <a:pPr algn="ctr"/>
+              <a:r>
+                <a:rPr lang="en-US" altLang="ko-KR" sz="1000" dirty="0" err="1"/>
+                <a:t>Preprocess.ipynb</a:t>
+              </a:r>
+              <a:endParaRPr lang="en-US" altLang="ko-KR" sz="1000" dirty="0"/>
+            </a:p>
+          </p:txBody>
+        </p:sp>
+        <p:cxnSp>
+          <p:nvCxnSpPr>
+            <p:cNvPr id="14" name="직선 화살표 연결선 13">
+              <a:extLst>
+                <a:ext uri="{FF2B5EF4-FFF2-40B4-BE49-F238E27FC236}">
+                  <a16:creationId xmlns:a16="http://schemas.microsoft.com/office/drawing/2014/main" id="{FD70C8ED-8435-445B-BBED-9EED0C0E06E6}"/>
+                </a:ext>
+              </a:extLst>
+            </p:cNvPr>
+            <p:cNvCxnSpPr>
+              <a:cxnSpLocks/>
+              <a:stCxn id="5" idx="1"/>
+              <a:endCxn id="12" idx="0"/>
+            </p:cNvCxnSpPr>
+            <p:nvPr/>
+          </p:nvCxnSpPr>
+          <p:spPr>
+            <a:xfrm rot="10800000" flipV="1">
+              <a:off x="2702296" y="1633295"/>
+              <a:ext cx="337138" cy="1230703"/>
+            </a:xfrm>
+            <a:prstGeom prst="bentConnector2">
+              <a:avLst/>
+            </a:prstGeom>
+            <a:ln>
+              <a:solidFill>
+                <a:schemeClr val="tx1"/>
+              </a:solidFill>
+              <a:tailEnd type="triangle"/>
+            </a:ln>
+          </p:spPr>
+          <p:style>
+            <a:lnRef idx="1">
+              <a:schemeClr val="accent1"/>
+            </a:lnRef>
+            <a:fillRef idx="0">
+              <a:schemeClr val="accent1"/>
+            </a:fillRef>
+            <a:effectRef idx="0">
+              <a:schemeClr val="accent1"/>
+            </a:effectRef>
+            <a:fontRef idx="minor">
+              <a:schemeClr val="tx1"/>
+            </a:fontRef>
+          </p:style>
+        </p:cxnSp>
+        <p:sp>
+          <p:nvSpPr>
+            <p:cNvPr id="20" name="직사각형 19">
+              <a:extLst>
+                <a:ext uri="{FF2B5EF4-FFF2-40B4-BE49-F238E27FC236}">
+                  <a16:creationId xmlns:a16="http://schemas.microsoft.com/office/drawing/2014/main" id="{B5BA44A5-E4B1-486D-BF04-F21D65107A2E}"/>
+                </a:ext>
+              </a:extLst>
+            </p:cNvPr>
+            <p:cNvSpPr/>
+            <p:nvPr/>
+          </p:nvSpPr>
+          <p:spPr>
+            <a:xfrm>
+              <a:off x="2045650" y="3276274"/>
+              <a:ext cx="1669100" cy="866861"/>
+            </a:xfrm>
+            <a:prstGeom prst="rect">
+              <a:avLst/>
+            </a:prstGeom>
+            <a:ln w="76200">
+              <a:noFill/>
+              <a:tailEnd type="triangle"/>
+            </a:ln>
+          </p:spPr>
+          <p:style>
+            <a:lnRef idx="1">
+              <a:schemeClr val="accent1"/>
+            </a:lnRef>
+            <a:fillRef idx="0">
+              <a:schemeClr val="accent1"/>
+            </a:fillRef>
+            <a:effectRef idx="0">
+              <a:schemeClr val="accent1"/>
+            </a:effectRef>
+            <a:fontRef idx="minor">
+              <a:schemeClr val="tx1"/>
+            </a:fontRef>
+          </p:style>
+          <p:txBody>
+            <a:bodyPr rtlCol="0" anchor="ctr"/>
+            <a:lstStyle/>
+            <a:p>
+              <a:r>
+                <a:rPr lang="ko-KR" altLang="en-US" sz="1000" dirty="0">
+                  <a:solidFill>
+                    <a:schemeClr val="tx1"/>
+                  </a:solidFill>
+                </a:rPr>
+                <a:t>데이</a:t>
+              </a:r>
+              <a:r>
+                <a:rPr lang="ko-KR" altLang="en-US" sz="1000" dirty="0"/>
+                <a:t>터 </a:t>
+              </a:r>
+              <a:r>
+                <a:rPr lang="ko-KR" altLang="en-US" sz="1000" dirty="0" err="1"/>
+                <a:t>전처리</a:t>
+              </a:r>
+              <a:endParaRPr lang="en-US" altLang="ko-KR" sz="1000" dirty="0"/>
+            </a:p>
+            <a:p>
+              <a:endParaRPr lang="en-US" altLang="ko-KR" sz="100" dirty="0"/>
+            </a:p>
+            <a:p>
+              <a:r>
+                <a:rPr lang="ko-KR" altLang="en-US" sz="900" dirty="0">
+                  <a:solidFill>
+                    <a:schemeClr val="tx1"/>
+                  </a:solidFill>
+                </a:rPr>
+                <a:t>불필요 요소 삭제 및 추출</a:t>
+              </a:r>
+              <a:endParaRPr lang="en-US" altLang="ko-KR" sz="900" dirty="0">
+                <a:solidFill>
+                  <a:schemeClr val="tx1"/>
+                </a:solidFill>
+              </a:endParaRPr>
+            </a:p>
+            <a:p>
+              <a:r>
+                <a:rPr lang="en-US" altLang="ko-KR" sz="800" dirty="0"/>
+                <a:t>(</a:t>
+              </a:r>
+              <a:r>
+                <a:rPr lang="ko-KR" altLang="en-US" sz="800" dirty="0"/>
+                <a:t>광주</a:t>
+              </a:r>
+              <a:r>
+                <a:rPr lang="en-US" altLang="ko-KR" sz="800" dirty="0"/>
+                <a:t>/</a:t>
+              </a:r>
+              <a:r>
+                <a:rPr lang="ko-KR" altLang="en-US" sz="800" dirty="0"/>
+                <a:t>전남 소재 기업만 선택</a:t>
+              </a:r>
+              <a:r>
+                <a:rPr lang="en-US" altLang="ko-KR" sz="800" dirty="0"/>
+                <a:t>)</a:t>
+              </a:r>
+            </a:p>
+            <a:p>
+              <a:r>
+                <a:rPr lang="ko-KR" altLang="en-US" sz="900" dirty="0"/>
+                <a:t>데이터 형태 가공</a:t>
+              </a:r>
+              <a:endParaRPr lang="en-US" altLang="ko-KR" sz="900" dirty="0"/>
+            </a:p>
+            <a:p>
+              <a:r>
+                <a:rPr lang="ko-KR" altLang="en-US" sz="900" dirty="0"/>
+                <a:t>데이터프레임 분리</a:t>
+              </a:r>
+              <a:r>
+                <a:rPr lang="en-US" altLang="ko-KR" sz="900" dirty="0"/>
+                <a:t>(</a:t>
+              </a:r>
+              <a:r>
+                <a:rPr lang="ko-KR" altLang="en-US" sz="900" dirty="0"/>
+                <a:t>기업별</a:t>
+              </a:r>
+              <a:r>
+                <a:rPr lang="en-US" altLang="ko-KR" sz="900" dirty="0"/>
+                <a:t>)</a:t>
+              </a:r>
+            </a:p>
+            <a:p>
+              <a:r>
+                <a:rPr lang="ko-KR" altLang="en-US" sz="900" dirty="0"/>
+                <a:t>예측모델 생성</a:t>
+              </a:r>
+              <a:endParaRPr lang="ko-KR" altLang="en-US" sz="900" dirty="0">
+                <a:solidFill>
+                  <a:schemeClr val="tx1"/>
+                </a:solidFill>
+              </a:endParaRPr>
+            </a:p>
+          </p:txBody>
+        </p:sp>
+        <p:cxnSp>
+          <p:nvCxnSpPr>
+            <p:cNvPr id="22" name="직선 화살표 연결선 13">
+              <a:extLst>
+                <a:ext uri="{FF2B5EF4-FFF2-40B4-BE49-F238E27FC236}">
+                  <a16:creationId xmlns:a16="http://schemas.microsoft.com/office/drawing/2014/main" id="{75DDD4FF-2DDB-4489-B453-9C130BD364B5}"/>
+                </a:ext>
+              </a:extLst>
+            </p:cNvPr>
+            <p:cNvCxnSpPr>
+              <a:cxnSpLocks/>
+              <a:stCxn id="12" idx="3"/>
+            </p:cNvCxnSpPr>
+            <p:nvPr/>
+          </p:nvCxnSpPr>
+          <p:spPr>
+            <a:xfrm>
+              <a:off x="3314690" y="3029348"/>
+              <a:ext cx="1495435" cy="0"/>
+            </a:xfrm>
+            <a:prstGeom prst="straightConnector1">
+              <a:avLst/>
+            </a:prstGeom>
+            <a:ln>
+              <a:solidFill>
+                <a:schemeClr val="tx1"/>
+              </a:solidFill>
+              <a:tailEnd type="triangle"/>
+            </a:ln>
+          </p:spPr>
+          <p:style>
+            <a:lnRef idx="1">
+              <a:schemeClr val="accent1"/>
+            </a:lnRef>
+            <a:fillRef idx="0">
+              <a:schemeClr val="accent1"/>
+            </a:fillRef>
+            <a:effectRef idx="0">
+              <a:schemeClr val="accent1"/>
+            </a:effectRef>
+            <a:fontRef idx="minor">
+              <a:schemeClr val="tx1"/>
+            </a:fontRef>
+          </p:style>
+        </p:cxnSp>
+        <p:grpSp>
+          <p:nvGrpSpPr>
+            <p:cNvPr id="24" name="그룹 23">
+              <a:extLst>
+                <a:ext uri="{FF2B5EF4-FFF2-40B4-BE49-F238E27FC236}">
+                  <a16:creationId xmlns:a16="http://schemas.microsoft.com/office/drawing/2014/main" id="{0E658ECE-C113-4A61-9A50-A5AF7ACD4221}"/>
+                </a:ext>
+              </a:extLst>
+            </p:cNvPr>
+            <p:cNvGrpSpPr/>
+            <p:nvPr/>
+          </p:nvGrpSpPr>
+          <p:grpSpPr>
+            <a:xfrm>
+              <a:off x="4623568" y="2392935"/>
+              <a:ext cx="2454201" cy="1791520"/>
+              <a:chOff x="1136724" y="2332805"/>
+              <a:chExt cx="3138046" cy="2192389"/>
+            </a:xfrm>
+          </p:grpSpPr>
+          <p:sp>
+            <p:nvSpPr>
+              <p:cNvPr id="25" name="직사각형 24">
+                <a:extLst>
+                  <a:ext uri="{FF2B5EF4-FFF2-40B4-BE49-F238E27FC236}">
+                    <a16:creationId xmlns:a16="http://schemas.microsoft.com/office/drawing/2014/main" id="{6DEEDC63-FBA6-4506-A4E2-5B14A18423FC}"/>
+                  </a:ext>
+                </a:extLst>
+              </p:cNvPr>
+              <p:cNvSpPr/>
+              <p:nvPr/>
+            </p:nvSpPr>
+            <p:spPr>
+              <a:xfrm>
+                <a:off x="1136724" y="2332805"/>
+                <a:ext cx="3138046" cy="2192389"/>
+              </a:xfrm>
+              <a:prstGeom prst="rect">
+                <a:avLst/>
+              </a:prstGeom>
+              <a:ln w="6350">
+                <a:solidFill>
+                  <a:schemeClr val="accent1">
+                    <a:lumMod val="50000"/>
+                  </a:schemeClr>
+                </a:solidFill>
+                <a:tailEnd type="triangle"/>
+              </a:ln>
+            </p:spPr>
+            <p:style>
+              <a:lnRef idx="1">
+                <a:schemeClr val="accent1"/>
+              </a:lnRef>
+              <a:fillRef idx="0">
+                <a:schemeClr val="accent1"/>
+              </a:fillRef>
+              <a:effectRef idx="0">
+                <a:schemeClr val="accent1"/>
+              </a:effectRef>
+              <a:fontRef idx="minor">
+                <a:schemeClr val="tx1"/>
+              </a:fontRef>
+            </p:style>
+            <p:txBody>
+              <a:bodyPr rot="0" spcFirstLastPara="0" vertOverflow="overflow" horzOverflow="overflow" vert="horz" wrap="square" lIns="91440" tIns="45720" rIns="91440" bIns="45720" numCol="1" spcCol="0" rtlCol="0" fromWordArt="0" anchor="ctr" anchorCtr="0" forceAA="0" compatLnSpc="1">
+                <a:prstTxWarp prst="textNoShape">
+                  <a:avLst/>
+                </a:prstTxWarp>
+                <a:noAutofit/>
+              </a:bodyPr>
+              <a:lstStyle/>
+              <a:p>
+                <a:pPr algn="ctr"/>
+                <a:endParaRPr lang="en-US" altLang="ko-KR" sz="1000" b="1" dirty="0"/>
+              </a:p>
+            </p:txBody>
+          </p:sp>
+          <p:sp>
+            <p:nvSpPr>
+              <p:cNvPr id="26" name="직사각형 25">
+                <a:extLst>
+                  <a:ext uri="{FF2B5EF4-FFF2-40B4-BE49-F238E27FC236}">
+                    <a16:creationId xmlns:a16="http://schemas.microsoft.com/office/drawing/2014/main" id="{23E19FD6-6DB1-4C42-AB05-E3F265A4D03F}"/>
+                  </a:ext>
+                </a:extLst>
+              </p:cNvPr>
+              <p:cNvSpPr/>
+              <p:nvPr/>
+            </p:nvSpPr>
+            <p:spPr>
+              <a:xfrm>
+                <a:off x="2739320" y="2332806"/>
+                <a:ext cx="1532429" cy="420146"/>
+              </a:xfrm>
+              <a:prstGeom prst="rect">
+                <a:avLst/>
+              </a:prstGeom>
+              <a:ln w="76200">
+                <a:noFill/>
+                <a:tailEnd type="triangle"/>
+              </a:ln>
+            </p:spPr>
+            <p:style>
+              <a:lnRef idx="1">
+                <a:schemeClr val="accent1"/>
+              </a:lnRef>
+              <a:fillRef idx="0">
+                <a:schemeClr val="accent1"/>
+              </a:fillRef>
+              <a:effectRef idx="0">
+                <a:schemeClr val="accent1"/>
+              </a:effectRef>
+              <a:fontRef idx="minor">
+                <a:schemeClr val="tx1"/>
+              </a:fontRef>
+            </p:style>
+            <p:txBody>
+              <a:bodyPr rtlCol="0" anchor="ctr"/>
+              <a:lstStyle/>
+              <a:p>
+                <a:pPr algn="ctr"/>
+                <a:r>
+                  <a:rPr lang="en-US" altLang="ko-KR" sz="1000" dirty="0">
+                    <a:solidFill>
+                      <a:schemeClr val="tx1"/>
+                    </a:solidFill>
+                  </a:rPr>
+                  <a:t>Web</a:t>
+                </a:r>
+                <a:r>
+                  <a:rPr lang="ko-KR" altLang="en-US" sz="1000" dirty="0">
+                    <a:solidFill>
+                      <a:schemeClr val="tx1"/>
+                    </a:solidFill>
+                  </a:rPr>
+                  <a:t> </a:t>
+                </a:r>
+                <a:r>
+                  <a:rPr lang="en-US" altLang="ko-KR" sz="1000" dirty="0">
+                    <a:solidFill>
+                      <a:schemeClr val="tx1"/>
+                    </a:solidFill>
+                  </a:rPr>
+                  <a:t>Framework</a:t>
+                </a:r>
+              </a:p>
+              <a:p>
+                <a:pPr algn="ctr"/>
+                <a:r>
+                  <a:rPr lang="en-US" altLang="ko-KR" sz="1000" dirty="0">
+                    <a:solidFill>
+                      <a:schemeClr val="tx1"/>
+                    </a:solidFill>
+                  </a:rPr>
+                  <a:t>(Django)</a:t>
+                </a:r>
+                <a:endParaRPr lang="ko-KR" altLang="en-US" sz="1000" dirty="0">
+                  <a:solidFill>
+                    <a:schemeClr val="tx1"/>
+                  </a:solidFill>
+                </a:endParaRPr>
+              </a:p>
+            </p:txBody>
+          </p:sp>
+        </p:grpSp>
+        <p:sp>
+          <p:nvSpPr>
+            <p:cNvPr id="29" name="원통형 28">
+              <a:extLst>
+                <a:ext uri="{FF2B5EF4-FFF2-40B4-BE49-F238E27FC236}">
+                  <a16:creationId xmlns:a16="http://schemas.microsoft.com/office/drawing/2014/main" id="{771CACC3-3DF1-4B45-9147-B93C69600050}"/>
+                </a:ext>
+              </a:extLst>
+            </p:cNvPr>
+            <p:cNvSpPr/>
+            <p:nvPr/>
+          </p:nvSpPr>
+          <p:spPr>
+            <a:xfrm>
+              <a:off x="4810125" y="2932952"/>
+              <a:ext cx="978712" cy="1159454"/>
+            </a:xfrm>
+            <a:prstGeom prst="can">
+              <a:avLst/>
+            </a:prstGeom>
+            <a:ln w="6350">
+              <a:solidFill>
+                <a:schemeClr val="accent1">
+                  <a:lumMod val="50000"/>
+                </a:schemeClr>
+              </a:solidFill>
+              <a:tailEnd type="triangle"/>
+            </a:ln>
+          </p:spPr>
+          <p:style>
+            <a:lnRef idx="1">
+              <a:schemeClr val="accent1"/>
+            </a:lnRef>
+            <a:fillRef idx="0">
+              <a:schemeClr val="accent1"/>
+            </a:fillRef>
+            <a:effectRef idx="0">
+              <a:schemeClr val="accent1"/>
+            </a:effectRef>
+            <a:fontRef idx="minor">
+              <a:schemeClr val="tx1"/>
+            </a:fontRef>
+          </p:style>
+          <p:txBody>
+            <a:bodyPr rot="0" spcFirstLastPara="0" vertOverflow="overflow" horzOverflow="overflow" vert="horz" wrap="square" lIns="91440" tIns="45720" rIns="91440" bIns="45720" numCol="1" spcCol="0" rtlCol="0" fromWordArt="0" anchor="ctr" anchorCtr="0" forceAA="0" compatLnSpc="1">
+              <a:prstTxWarp prst="textNoShape">
+                <a:avLst/>
+              </a:prstTxWarp>
+              <a:noAutofit/>
+            </a:bodyPr>
+            <a:lstStyle/>
+            <a:p>
+              <a:pPr algn="ctr"/>
+              <a:endParaRPr lang="ko-KR" altLang="en-US" sz="1000">
+                <a:solidFill>
+                  <a:schemeClr val="tx1"/>
+                </a:solidFill>
+              </a:endParaRPr>
+            </a:p>
+          </p:txBody>
+        </p:sp>
+        <p:sp>
+          <p:nvSpPr>
+            <p:cNvPr id="30" name="직사각형 29">
+              <a:extLst>
+                <a:ext uri="{FF2B5EF4-FFF2-40B4-BE49-F238E27FC236}">
+                  <a16:creationId xmlns:a16="http://schemas.microsoft.com/office/drawing/2014/main" id="{EEDA18A8-FB24-4C84-B0F5-89993DE727CB}"/>
+                </a:ext>
+              </a:extLst>
+            </p:cNvPr>
+            <p:cNvSpPr/>
+            <p:nvPr/>
+          </p:nvSpPr>
+          <p:spPr>
+            <a:xfrm>
+              <a:off x="4806671" y="2678805"/>
+              <a:ext cx="978712" cy="240401"/>
+            </a:xfrm>
+            <a:prstGeom prst="rect">
+              <a:avLst/>
+            </a:prstGeom>
+            <a:ln w="76200">
+              <a:noFill/>
+              <a:tailEnd type="triangle"/>
+            </a:ln>
+          </p:spPr>
+          <p:style>
+            <a:lnRef idx="1">
+              <a:schemeClr val="accent1"/>
+            </a:lnRef>
+            <a:fillRef idx="0">
+              <a:schemeClr val="accent1"/>
+            </a:fillRef>
+            <a:effectRef idx="0">
+              <a:schemeClr val="accent1"/>
+            </a:effectRef>
+            <a:fontRef idx="minor">
+              <a:schemeClr val="tx1"/>
+            </a:fontRef>
+          </p:style>
+          <p:txBody>
+            <a:bodyPr rtlCol="0" anchor="ctr"/>
+            <a:lstStyle/>
+            <a:p>
+              <a:pPr algn="ctr"/>
+              <a:r>
+                <a:rPr lang="en-US" altLang="ko-KR" sz="1000" dirty="0"/>
+                <a:t>DB</a:t>
+              </a:r>
+              <a:endParaRPr lang="ko-KR" altLang="en-US" sz="1000" dirty="0">
+                <a:solidFill>
+                  <a:schemeClr val="tx1"/>
+                </a:solidFill>
+              </a:endParaRPr>
+            </a:p>
+          </p:txBody>
+        </p:sp>
+        <p:sp>
+          <p:nvSpPr>
+            <p:cNvPr id="31" name="직사각형 30">
+              <a:extLst>
+                <a:ext uri="{FF2B5EF4-FFF2-40B4-BE49-F238E27FC236}">
+                  <a16:creationId xmlns:a16="http://schemas.microsoft.com/office/drawing/2014/main" id="{9A592403-A9DB-4765-BC88-B208E939694D}"/>
+                </a:ext>
+              </a:extLst>
+            </p:cNvPr>
+            <p:cNvSpPr/>
+            <p:nvPr/>
+          </p:nvSpPr>
+          <p:spPr>
+            <a:xfrm>
+              <a:off x="3771473" y="2728562"/>
+              <a:ext cx="867814" cy="240401"/>
+            </a:xfrm>
+            <a:prstGeom prst="rect">
+              <a:avLst/>
+            </a:prstGeom>
+            <a:ln w="76200">
+              <a:noFill/>
+              <a:tailEnd type="triangle"/>
+            </a:ln>
+          </p:spPr>
+          <p:style>
+            <a:lnRef idx="1">
+              <a:schemeClr val="accent1"/>
+            </a:lnRef>
+            <a:fillRef idx="0">
+              <a:schemeClr val="accent1"/>
+            </a:fillRef>
+            <a:effectRef idx="0">
+              <a:schemeClr val="accent1"/>
+            </a:effectRef>
+            <a:fontRef idx="minor">
+              <a:schemeClr val="tx1"/>
+            </a:fontRef>
+          </p:style>
+          <p:txBody>
+            <a:bodyPr rtlCol="0" anchor="ctr"/>
+            <a:lstStyle/>
+            <a:p>
+              <a:pPr algn="ctr"/>
+              <a:r>
+                <a:rPr lang="ko-KR" altLang="en-US" sz="900" dirty="0">
+                  <a:solidFill>
+                    <a:schemeClr val="tx1"/>
+                  </a:solidFill>
+                </a:rPr>
+                <a:t>데이터 저장</a:t>
+              </a:r>
+            </a:p>
+          </p:txBody>
+        </p:sp>
+        <p:sp>
+          <p:nvSpPr>
+            <p:cNvPr id="32" name="직사각형 31">
+              <a:extLst>
+                <a:ext uri="{FF2B5EF4-FFF2-40B4-BE49-F238E27FC236}">
+                  <a16:creationId xmlns:a16="http://schemas.microsoft.com/office/drawing/2014/main" id="{7135F3C7-C1E4-49C3-BD6E-4BA47EC5C2FD}"/>
+                </a:ext>
+              </a:extLst>
+            </p:cNvPr>
+            <p:cNvSpPr/>
+            <p:nvPr/>
+          </p:nvSpPr>
+          <p:spPr>
+            <a:xfrm>
+              <a:off x="4770486" y="3434297"/>
+              <a:ext cx="1168723" cy="363882"/>
+            </a:xfrm>
+            <a:prstGeom prst="rect">
+              <a:avLst/>
+            </a:prstGeom>
+            <a:ln w="76200">
+              <a:noFill/>
+              <a:tailEnd type="triangle"/>
+            </a:ln>
+          </p:spPr>
+          <p:style>
+            <a:lnRef idx="1">
+              <a:schemeClr val="accent1"/>
+            </a:lnRef>
+            <a:fillRef idx="0">
+              <a:schemeClr val="accent1"/>
+            </a:fillRef>
+            <a:effectRef idx="0">
+              <a:schemeClr val="accent1"/>
+            </a:effectRef>
+            <a:fontRef idx="minor">
+              <a:schemeClr val="tx1"/>
+            </a:fontRef>
+          </p:style>
+          <p:txBody>
+            <a:bodyPr rtlCol="0" anchor="ctr"/>
+            <a:lstStyle/>
+            <a:p>
+              <a:r>
+                <a:rPr lang="ko-KR" altLang="en-US" sz="800" dirty="0"/>
+                <a:t>정제된 기업 데이터</a:t>
+              </a:r>
+              <a:endParaRPr lang="en-US" altLang="ko-KR" sz="800" dirty="0"/>
+            </a:p>
+            <a:p>
+              <a:r>
+                <a:rPr lang="en-US" altLang="ko-KR" sz="800" dirty="0"/>
+                <a:t>(</a:t>
+              </a:r>
+              <a:r>
+                <a:rPr lang="ko-KR" altLang="en-US" sz="800" dirty="0"/>
+                <a:t>광주</a:t>
+              </a:r>
+              <a:r>
+                <a:rPr lang="en-US" altLang="ko-KR" sz="800" dirty="0"/>
+                <a:t>/</a:t>
+              </a:r>
+              <a:r>
+                <a:rPr lang="ko-KR" altLang="en-US" sz="800" dirty="0"/>
+                <a:t>전남 소재</a:t>
+              </a:r>
+              <a:r>
+                <a:rPr lang="en-US" altLang="ko-KR" sz="800" dirty="0"/>
+                <a:t>)</a:t>
+              </a:r>
+            </a:p>
+          </p:txBody>
+        </p:sp>
+        <p:grpSp>
+          <p:nvGrpSpPr>
+            <p:cNvPr id="44" name="그룹 43">
+              <a:extLst>
+                <a:ext uri="{FF2B5EF4-FFF2-40B4-BE49-F238E27FC236}">
+                  <a16:creationId xmlns:a16="http://schemas.microsoft.com/office/drawing/2014/main" id="{DC01C4A1-BC49-40B9-8264-E8E2C0EBDADB}"/>
+                </a:ext>
+              </a:extLst>
+            </p:cNvPr>
+            <p:cNvGrpSpPr/>
+            <p:nvPr/>
+          </p:nvGrpSpPr>
+          <p:grpSpPr>
+            <a:xfrm>
+              <a:off x="5876925" y="3288695"/>
+              <a:ext cx="1139825" cy="762525"/>
+              <a:chOff x="5986415" y="3067372"/>
+              <a:chExt cx="978712" cy="762525"/>
+            </a:xfrm>
+          </p:grpSpPr>
+          <p:sp>
+            <p:nvSpPr>
+              <p:cNvPr id="34" name="직사각형 33">
+                <a:extLst>
+                  <a:ext uri="{FF2B5EF4-FFF2-40B4-BE49-F238E27FC236}">
+                    <a16:creationId xmlns:a16="http://schemas.microsoft.com/office/drawing/2014/main" id="{ADA1D2F2-8BC0-4272-BCB9-1FE98B950DB5}"/>
+                  </a:ext>
+                </a:extLst>
+              </p:cNvPr>
+              <p:cNvSpPr/>
+              <p:nvPr/>
+            </p:nvSpPr>
+            <p:spPr>
+              <a:xfrm>
+                <a:off x="5986415" y="3067372"/>
+                <a:ext cx="978712" cy="253514"/>
+              </a:xfrm>
+              <a:prstGeom prst="rect">
+                <a:avLst/>
+              </a:prstGeom>
+              <a:ln w="6350">
+                <a:solidFill>
+                  <a:schemeClr val="accent1">
+                    <a:lumMod val="50000"/>
+                  </a:schemeClr>
+                </a:solidFill>
+                <a:tailEnd type="triangle"/>
+              </a:ln>
+            </p:spPr>
+            <p:style>
+              <a:lnRef idx="1">
+                <a:schemeClr val="accent1"/>
+              </a:lnRef>
+              <a:fillRef idx="0">
+                <a:schemeClr val="accent1"/>
+              </a:fillRef>
+              <a:effectRef idx="0">
+                <a:schemeClr val="accent1"/>
+              </a:effectRef>
+              <a:fontRef idx="minor">
+                <a:schemeClr val="tx1"/>
+              </a:fontRef>
+            </p:style>
+            <p:txBody>
+              <a:bodyPr rot="0" spcFirstLastPara="0" vertOverflow="overflow" horzOverflow="overflow" vert="horz" wrap="square" lIns="91440" tIns="45720" rIns="91440" bIns="45720" numCol="1" spcCol="0" rtlCol="0" fromWordArt="0" anchor="ctr" anchorCtr="0" forceAA="0" compatLnSpc="1">
+                <a:prstTxWarp prst="textNoShape">
+                  <a:avLst/>
+                </a:prstTxWarp>
+                <a:noAutofit/>
+              </a:bodyPr>
+              <a:lstStyle/>
+              <a:p>
+                <a:pPr algn="ctr"/>
+                <a:r>
+                  <a:rPr lang="en-US" altLang="ko-KR" sz="900" dirty="0"/>
+                  <a:t>Default</a:t>
+                </a:r>
+              </a:p>
+            </p:txBody>
+          </p:sp>
+          <p:sp>
+            <p:nvSpPr>
+              <p:cNvPr id="40" name="직사각형 39">
+                <a:extLst>
+                  <a:ext uri="{FF2B5EF4-FFF2-40B4-BE49-F238E27FC236}">
+                    <a16:creationId xmlns:a16="http://schemas.microsoft.com/office/drawing/2014/main" id="{18106D92-64C9-4D67-B9C8-7AC5E10E7B3E}"/>
+                  </a:ext>
+                </a:extLst>
+              </p:cNvPr>
+              <p:cNvSpPr/>
+              <p:nvPr/>
+            </p:nvSpPr>
+            <p:spPr>
+              <a:xfrm>
+                <a:off x="5986415" y="3322869"/>
+                <a:ext cx="978712" cy="253514"/>
+              </a:xfrm>
+              <a:prstGeom prst="rect">
+                <a:avLst/>
+              </a:prstGeom>
+              <a:ln w="6350">
+                <a:solidFill>
+                  <a:schemeClr val="accent1">
+                    <a:lumMod val="50000"/>
+                  </a:schemeClr>
+                </a:solidFill>
+                <a:tailEnd type="triangle"/>
+              </a:ln>
+            </p:spPr>
+            <p:style>
+              <a:lnRef idx="1">
+                <a:schemeClr val="accent1"/>
+              </a:lnRef>
+              <a:fillRef idx="0">
+                <a:schemeClr val="accent1"/>
+              </a:fillRef>
+              <a:effectRef idx="0">
+                <a:schemeClr val="accent1"/>
+              </a:effectRef>
+              <a:fontRef idx="minor">
+                <a:schemeClr val="tx1"/>
+              </a:fontRef>
+            </p:style>
+            <p:txBody>
+              <a:bodyPr rot="0" spcFirstLastPara="0" vertOverflow="overflow" horzOverflow="overflow" vert="horz" wrap="square" lIns="91440" tIns="45720" rIns="91440" bIns="45720" numCol="1" spcCol="0" rtlCol="0" fromWordArt="0" anchor="ctr" anchorCtr="0" forceAA="0" compatLnSpc="1">
+                <a:prstTxWarp prst="textNoShape">
+                  <a:avLst/>
+                </a:prstTxWarp>
+                <a:noAutofit/>
+              </a:bodyPr>
+              <a:lstStyle/>
+              <a:p>
+                <a:pPr algn="ctr"/>
+                <a:r>
+                  <a:rPr lang="en-US" altLang="ko-KR" sz="900" dirty="0"/>
+                  <a:t>     Corporates</a:t>
+                </a:r>
+              </a:p>
+            </p:txBody>
+          </p:sp>
+          <p:sp>
+            <p:nvSpPr>
+              <p:cNvPr id="41" name="직사각형 40">
+                <a:extLst>
+                  <a:ext uri="{FF2B5EF4-FFF2-40B4-BE49-F238E27FC236}">
+                    <a16:creationId xmlns:a16="http://schemas.microsoft.com/office/drawing/2014/main" id="{C1DDAF4E-8054-4BA2-8D14-BB9E58ED9F74}"/>
+                  </a:ext>
+                </a:extLst>
+              </p:cNvPr>
+              <p:cNvSpPr/>
+              <p:nvPr/>
+            </p:nvSpPr>
+            <p:spPr>
+              <a:xfrm>
+                <a:off x="5986415" y="3576383"/>
+                <a:ext cx="978712" cy="253514"/>
+              </a:xfrm>
+              <a:prstGeom prst="rect">
+                <a:avLst/>
+              </a:prstGeom>
+              <a:ln w="6350">
+                <a:solidFill>
+                  <a:schemeClr val="accent1">
+                    <a:lumMod val="50000"/>
+                  </a:schemeClr>
+                </a:solidFill>
+                <a:tailEnd type="triangle"/>
+              </a:ln>
+            </p:spPr>
+            <p:style>
+              <a:lnRef idx="1">
+                <a:schemeClr val="accent1"/>
+              </a:lnRef>
+              <a:fillRef idx="0">
+                <a:schemeClr val="accent1"/>
+              </a:fillRef>
+              <a:effectRef idx="0">
+                <a:schemeClr val="accent1"/>
+              </a:effectRef>
+              <a:fontRef idx="minor">
+                <a:schemeClr val="tx1"/>
+              </a:fontRef>
+            </p:style>
+            <p:txBody>
+              <a:bodyPr rot="0" spcFirstLastPara="0" vertOverflow="overflow" horzOverflow="overflow" vert="horz" wrap="square" lIns="91440" tIns="45720" rIns="91440" bIns="45720" numCol="1" spcCol="0" rtlCol="0" fromWordArt="0" anchor="ctr" anchorCtr="0" forceAA="0" compatLnSpc="1">
+                <a:prstTxWarp prst="textNoShape">
+                  <a:avLst/>
+                </a:prstTxWarp>
+                <a:noAutofit/>
+              </a:bodyPr>
+              <a:lstStyle/>
+              <a:p>
+                <a:pPr algn="ctr"/>
+                <a:r>
+                  <a:rPr lang="en-US" altLang="ko-KR" sz="900" dirty="0"/>
+                  <a:t> Regions</a:t>
+                </a:r>
+              </a:p>
+            </p:txBody>
+          </p:sp>
+        </p:grpSp>
+        <p:cxnSp>
+          <p:nvCxnSpPr>
+            <p:cNvPr id="45" name="직선 화살표 연결선 13">
+              <a:extLst>
+                <a:ext uri="{FF2B5EF4-FFF2-40B4-BE49-F238E27FC236}">
+                  <a16:creationId xmlns:a16="http://schemas.microsoft.com/office/drawing/2014/main" id="{7F30B411-9413-4DFD-945F-83F9B3B1D817}"/>
+                </a:ext>
+              </a:extLst>
+            </p:cNvPr>
+            <p:cNvCxnSpPr>
+              <a:cxnSpLocks/>
+              <a:endCxn id="34" idx="0"/>
+            </p:cNvCxnSpPr>
+            <p:nvPr/>
+          </p:nvCxnSpPr>
+          <p:spPr>
+            <a:xfrm>
+              <a:off x="5792291" y="3117550"/>
+              <a:ext cx="654547" cy="171145"/>
+            </a:xfrm>
+            <a:prstGeom prst="bentConnector2">
+              <a:avLst/>
+            </a:prstGeom>
+            <a:ln>
+              <a:solidFill>
+                <a:schemeClr val="tx1"/>
+              </a:solidFill>
+              <a:tailEnd type="triangle"/>
+            </a:ln>
+          </p:spPr>
+          <p:style>
+            <a:lnRef idx="1">
+              <a:schemeClr val="accent1"/>
+            </a:lnRef>
+            <a:fillRef idx="0">
+              <a:schemeClr val="accent1"/>
+            </a:fillRef>
+            <a:effectRef idx="0">
+              <a:schemeClr val="accent1"/>
+            </a:effectRef>
+            <a:fontRef idx="minor">
+              <a:schemeClr val="tx1"/>
+            </a:fontRef>
+          </p:style>
+        </p:cxnSp>
+        <p:sp>
+          <p:nvSpPr>
+            <p:cNvPr id="48" name="직사각형 47">
+              <a:extLst>
+                <a:ext uri="{FF2B5EF4-FFF2-40B4-BE49-F238E27FC236}">
+                  <a16:creationId xmlns:a16="http://schemas.microsoft.com/office/drawing/2014/main" id="{E0E2F347-21AC-438A-8B10-0CEE1ABFBE24}"/>
+                </a:ext>
+              </a:extLst>
+            </p:cNvPr>
+            <p:cNvSpPr/>
+            <p:nvPr/>
+          </p:nvSpPr>
+          <p:spPr>
+            <a:xfrm>
+              <a:off x="5944289" y="2857900"/>
+              <a:ext cx="1035631" cy="240401"/>
+            </a:xfrm>
+            <a:prstGeom prst="rect">
+              <a:avLst/>
+            </a:prstGeom>
+            <a:ln w="76200">
+              <a:noFill/>
+              <a:tailEnd type="triangle"/>
+            </a:ln>
+          </p:spPr>
+          <p:style>
+            <a:lnRef idx="1">
+              <a:schemeClr val="accent1"/>
+            </a:lnRef>
+            <a:fillRef idx="0">
+              <a:schemeClr val="accent1"/>
+            </a:fillRef>
+            <a:effectRef idx="0">
+              <a:schemeClr val="accent1"/>
+            </a:effectRef>
+            <a:fontRef idx="minor">
+              <a:schemeClr val="tx1"/>
+            </a:fontRef>
+          </p:style>
+          <p:txBody>
+            <a:bodyPr rtlCol="0" anchor="ctr"/>
+            <a:lstStyle/>
+            <a:p>
+              <a:pPr algn="ctr"/>
+              <a:r>
+                <a:rPr lang="ko-KR" altLang="en-US" sz="800" dirty="0">
+                  <a:solidFill>
+                    <a:schemeClr val="tx1"/>
+                  </a:solidFill>
+                </a:rPr>
+                <a:t>데이터 시각화</a:t>
+              </a:r>
+              <a:r>
+                <a:rPr lang="en-US" altLang="ko-KR" sz="800" dirty="0"/>
+                <a:t> </a:t>
+              </a:r>
+            </a:p>
+            <a:p>
+              <a:pPr algn="ctr"/>
+              <a:r>
+                <a:rPr lang="ko-KR" altLang="en-US" sz="800" dirty="0"/>
+                <a:t>및 결과 출력</a:t>
+              </a:r>
+              <a:endParaRPr lang="ko-KR" altLang="en-US" sz="800" dirty="0">
+                <a:solidFill>
+                  <a:schemeClr val="tx1"/>
+                </a:solidFill>
+              </a:endParaRPr>
+            </a:p>
+          </p:txBody>
+        </p:sp>
+        <p:sp>
+          <p:nvSpPr>
+            <p:cNvPr id="49" name="직사각형 48">
+              <a:extLst>
+                <a:ext uri="{FF2B5EF4-FFF2-40B4-BE49-F238E27FC236}">
+                  <a16:creationId xmlns:a16="http://schemas.microsoft.com/office/drawing/2014/main" id="{A86F4663-F708-49BC-807D-02CE614CB7A5}"/>
+                </a:ext>
+              </a:extLst>
+            </p:cNvPr>
+            <p:cNvSpPr/>
+            <p:nvPr/>
+          </p:nvSpPr>
+          <p:spPr>
+            <a:xfrm>
+              <a:off x="2634892" y="2147753"/>
+              <a:ext cx="138560" cy="138560"/>
+            </a:xfrm>
+            <a:prstGeom prst="rect">
+              <a:avLst/>
+            </a:prstGeom>
+          </p:spPr>
+          <p:style>
+            <a:lnRef idx="2">
+              <a:schemeClr val="accent1">
+                <a:shade val="50000"/>
+              </a:schemeClr>
+            </a:lnRef>
+            <a:fillRef idx="1">
+              <a:schemeClr val="accent1"/>
+            </a:fillRef>
+            <a:effectRef idx="0">
+              <a:schemeClr val="accent1"/>
+            </a:effectRef>
+            <a:fontRef idx="minor">
+              <a:schemeClr val="lt1"/>
+            </a:fontRef>
+          </p:style>
+          <p:txBody>
+            <a:bodyPr rtlCol="0" anchor="ctr"/>
+            <a:lstStyle/>
+            <a:p>
+              <a:pPr algn="ctr"/>
+              <a:r>
+                <a:rPr lang="en-US" altLang="ko-KR" sz="800" b="1" dirty="0"/>
+                <a:t>1</a:t>
+              </a:r>
+              <a:endParaRPr lang="ko-KR" altLang="en-US" sz="1200" b="1" dirty="0"/>
+            </a:p>
+          </p:txBody>
+        </p:sp>
+        <p:sp>
+          <p:nvSpPr>
+            <p:cNvPr id="51" name="직사각형 50">
+              <a:extLst>
+                <a:ext uri="{FF2B5EF4-FFF2-40B4-BE49-F238E27FC236}">
+                  <a16:creationId xmlns:a16="http://schemas.microsoft.com/office/drawing/2014/main" id="{4CF5AEE0-E9F2-4B57-9F85-88DC2EDA2902}"/>
+                </a:ext>
+              </a:extLst>
+            </p:cNvPr>
+            <p:cNvSpPr/>
+            <p:nvPr/>
+          </p:nvSpPr>
+          <p:spPr>
+            <a:xfrm>
+              <a:off x="1997007" y="3477166"/>
+              <a:ext cx="113531" cy="101911"/>
+            </a:xfrm>
+            <a:prstGeom prst="rect">
+              <a:avLst/>
+            </a:prstGeom>
+          </p:spPr>
+          <p:style>
+            <a:lnRef idx="2">
+              <a:schemeClr val="accent1">
+                <a:shade val="50000"/>
+              </a:schemeClr>
+            </a:lnRef>
+            <a:fillRef idx="1">
+              <a:schemeClr val="accent1"/>
+            </a:fillRef>
+            <a:effectRef idx="0">
+              <a:schemeClr val="accent1"/>
+            </a:effectRef>
+            <a:fontRef idx="minor">
+              <a:schemeClr val="lt1"/>
+            </a:fontRef>
+          </p:style>
+          <p:txBody>
+            <a:bodyPr rtlCol="0" anchor="ctr"/>
+            <a:lstStyle/>
+            <a:p>
+              <a:pPr algn="ctr"/>
+              <a:r>
+                <a:rPr lang="en-US" altLang="ko-KR" sz="700" b="1" dirty="0"/>
+                <a:t>2</a:t>
+              </a:r>
+              <a:endParaRPr lang="ko-KR" altLang="en-US" sz="1100" b="1" dirty="0"/>
+            </a:p>
+          </p:txBody>
+        </p:sp>
+        <p:sp>
+          <p:nvSpPr>
+            <p:cNvPr id="52" name="직사각형 51">
+              <a:extLst>
+                <a:ext uri="{FF2B5EF4-FFF2-40B4-BE49-F238E27FC236}">
+                  <a16:creationId xmlns:a16="http://schemas.microsoft.com/office/drawing/2014/main" id="{6F9DEA5D-4660-4250-B60A-1257B610037F}"/>
+                </a:ext>
+              </a:extLst>
+            </p:cNvPr>
+            <p:cNvSpPr/>
+            <p:nvPr/>
+          </p:nvSpPr>
+          <p:spPr>
+            <a:xfrm>
+              <a:off x="1998595" y="3738279"/>
+              <a:ext cx="113531" cy="101911"/>
+            </a:xfrm>
+            <a:prstGeom prst="rect">
+              <a:avLst/>
+            </a:prstGeom>
+          </p:spPr>
+          <p:style>
+            <a:lnRef idx="2">
+              <a:schemeClr val="accent1">
+                <a:shade val="50000"/>
+              </a:schemeClr>
+            </a:lnRef>
+            <a:fillRef idx="1">
+              <a:schemeClr val="accent1"/>
+            </a:fillRef>
+            <a:effectRef idx="0">
+              <a:schemeClr val="accent1"/>
+            </a:effectRef>
+            <a:fontRef idx="minor">
+              <a:schemeClr val="lt1"/>
+            </a:fontRef>
+          </p:style>
+          <p:txBody>
+            <a:bodyPr rtlCol="0" anchor="ctr"/>
+            <a:lstStyle/>
+            <a:p>
+              <a:pPr algn="ctr"/>
+              <a:r>
+                <a:rPr lang="en-US" altLang="ko-KR" sz="700" b="1" dirty="0"/>
+                <a:t>3</a:t>
+              </a:r>
+              <a:endParaRPr lang="ko-KR" altLang="en-US" sz="1100" b="1" dirty="0"/>
+            </a:p>
+          </p:txBody>
+        </p:sp>
+        <p:sp>
+          <p:nvSpPr>
+            <p:cNvPr id="53" name="직사각형 52">
+              <a:extLst>
+                <a:ext uri="{FF2B5EF4-FFF2-40B4-BE49-F238E27FC236}">
+                  <a16:creationId xmlns:a16="http://schemas.microsoft.com/office/drawing/2014/main" id="{2ED4F8EC-4BEA-4018-A5DE-E34D79A97417}"/>
+                </a:ext>
+              </a:extLst>
+            </p:cNvPr>
+            <p:cNvSpPr/>
+            <p:nvPr/>
+          </p:nvSpPr>
+          <p:spPr>
+            <a:xfrm>
+              <a:off x="1998595" y="3877977"/>
+              <a:ext cx="113531" cy="101911"/>
+            </a:xfrm>
+            <a:prstGeom prst="rect">
+              <a:avLst/>
+            </a:prstGeom>
+          </p:spPr>
+          <p:style>
+            <a:lnRef idx="2">
+              <a:schemeClr val="accent1">
+                <a:shade val="50000"/>
+              </a:schemeClr>
+            </a:lnRef>
+            <a:fillRef idx="1">
+              <a:schemeClr val="accent1"/>
+            </a:fillRef>
+            <a:effectRef idx="0">
+              <a:schemeClr val="accent1"/>
+            </a:effectRef>
+            <a:fontRef idx="minor">
+              <a:schemeClr val="lt1"/>
+            </a:fontRef>
+          </p:style>
+          <p:txBody>
+            <a:bodyPr rtlCol="0" anchor="ctr"/>
+            <a:lstStyle/>
+            <a:p>
+              <a:pPr algn="ctr"/>
+              <a:r>
+                <a:rPr lang="en-US" altLang="ko-KR" sz="700" b="1" dirty="0"/>
+                <a:t>4</a:t>
+              </a:r>
+              <a:endParaRPr lang="ko-KR" altLang="en-US" sz="1100" b="1" dirty="0"/>
+            </a:p>
+          </p:txBody>
+        </p:sp>
+        <p:sp>
+          <p:nvSpPr>
+            <p:cNvPr id="54" name="직사각형 53">
+              <a:extLst>
+                <a:ext uri="{FF2B5EF4-FFF2-40B4-BE49-F238E27FC236}">
+                  <a16:creationId xmlns:a16="http://schemas.microsoft.com/office/drawing/2014/main" id="{278E057D-7D23-4C6B-B7A5-715285A2DB54}"/>
+                </a:ext>
+              </a:extLst>
+            </p:cNvPr>
+            <p:cNvSpPr/>
+            <p:nvPr/>
+          </p:nvSpPr>
+          <p:spPr>
+            <a:xfrm>
+              <a:off x="1998595" y="4016656"/>
+              <a:ext cx="113531" cy="101911"/>
+            </a:xfrm>
+            <a:prstGeom prst="rect">
+              <a:avLst/>
+            </a:prstGeom>
+          </p:spPr>
+          <p:style>
+            <a:lnRef idx="2">
+              <a:schemeClr val="accent1">
+                <a:shade val="50000"/>
+              </a:schemeClr>
+            </a:lnRef>
+            <a:fillRef idx="1">
+              <a:schemeClr val="accent1"/>
+            </a:fillRef>
+            <a:effectRef idx="0">
+              <a:schemeClr val="accent1"/>
+            </a:effectRef>
+            <a:fontRef idx="minor">
+              <a:schemeClr val="lt1"/>
+            </a:fontRef>
+          </p:style>
+          <p:txBody>
+            <a:bodyPr rtlCol="0" anchor="ctr"/>
+            <a:lstStyle/>
+            <a:p>
+              <a:pPr algn="ctr"/>
+              <a:r>
+                <a:rPr lang="en-US" altLang="ko-KR" sz="700" b="1" dirty="0"/>
+                <a:t>5</a:t>
+              </a:r>
+              <a:endParaRPr lang="ko-KR" altLang="en-US" sz="1100" b="1" dirty="0"/>
+            </a:p>
+          </p:txBody>
+        </p:sp>
+        <p:sp>
+          <p:nvSpPr>
+            <p:cNvPr id="55" name="직사각형 54">
+              <a:extLst>
+                <a:ext uri="{FF2B5EF4-FFF2-40B4-BE49-F238E27FC236}">
+                  <a16:creationId xmlns:a16="http://schemas.microsoft.com/office/drawing/2014/main" id="{DE93150D-DC61-47D4-ADA6-D09A2BC14A7B}"/>
+                </a:ext>
+              </a:extLst>
+            </p:cNvPr>
+            <p:cNvSpPr/>
+            <p:nvPr/>
+          </p:nvSpPr>
+          <p:spPr>
+            <a:xfrm>
+              <a:off x="4134954" y="2959741"/>
+              <a:ext cx="138560" cy="138560"/>
+            </a:xfrm>
+            <a:prstGeom prst="rect">
+              <a:avLst/>
+            </a:prstGeom>
+          </p:spPr>
+          <p:style>
+            <a:lnRef idx="2">
+              <a:schemeClr val="accent1">
+                <a:shade val="50000"/>
+              </a:schemeClr>
+            </a:lnRef>
+            <a:fillRef idx="1">
+              <a:schemeClr val="accent1"/>
+            </a:fillRef>
+            <a:effectRef idx="0">
+              <a:schemeClr val="accent1"/>
+            </a:effectRef>
+            <a:fontRef idx="minor">
+              <a:schemeClr val="lt1"/>
+            </a:fontRef>
+          </p:style>
+          <p:txBody>
+            <a:bodyPr rtlCol="0" anchor="ctr"/>
+            <a:lstStyle/>
+            <a:p>
+              <a:pPr algn="ctr"/>
+              <a:r>
+                <a:rPr lang="en-US" altLang="ko-KR" sz="800" b="1" dirty="0"/>
+                <a:t>6</a:t>
+              </a:r>
+              <a:endParaRPr lang="ko-KR" altLang="en-US" sz="1200" b="1" dirty="0"/>
+            </a:p>
+          </p:txBody>
+        </p:sp>
+        <p:sp>
+          <p:nvSpPr>
+            <p:cNvPr id="56" name="직사각형 55">
+              <a:extLst>
+                <a:ext uri="{FF2B5EF4-FFF2-40B4-BE49-F238E27FC236}">
+                  <a16:creationId xmlns:a16="http://schemas.microsoft.com/office/drawing/2014/main" id="{8E72D36C-B171-4B83-9AD6-F9EF70381F07}"/>
+                </a:ext>
+              </a:extLst>
+            </p:cNvPr>
+            <p:cNvSpPr/>
+            <p:nvPr/>
+          </p:nvSpPr>
+          <p:spPr>
+            <a:xfrm>
+              <a:off x="5226747" y="3320663"/>
+              <a:ext cx="138560" cy="138560"/>
+            </a:xfrm>
+            <a:prstGeom prst="rect">
+              <a:avLst/>
+            </a:prstGeom>
+          </p:spPr>
+          <p:style>
+            <a:lnRef idx="2">
+              <a:schemeClr val="accent1">
+                <a:shade val="50000"/>
+              </a:schemeClr>
+            </a:lnRef>
+            <a:fillRef idx="1">
+              <a:schemeClr val="accent1"/>
+            </a:fillRef>
+            <a:effectRef idx="0">
+              <a:schemeClr val="accent1"/>
+            </a:effectRef>
+            <a:fontRef idx="minor">
+              <a:schemeClr val="lt1"/>
+            </a:fontRef>
+          </p:style>
+          <p:txBody>
+            <a:bodyPr rtlCol="0" anchor="ctr"/>
+            <a:lstStyle/>
+            <a:p>
+              <a:pPr algn="ctr"/>
+              <a:r>
+                <a:rPr lang="en-US" altLang="ko-KR" sz="800" b="1" dirty="0"/>
+                <a:t>7</a:t>
+              </a:r>
+              <a:endParaRPr lang="ko-KR" altLang="en-US" sz="1200" b="1" dirty="0"/>
+            </a:p>
+          </p:txBody>
+        </p:sp>
+        <p:sp>
+          <p:nvSpPr>
+            <p:cNvPr id="57" name="직사각형 56">
+              <a:extLst>
+                <a:ext uri="{FF2B5EF4-FFF2-40B4-BE49-F238E27FC236}">
+                  <a16:creationId xmlns:a16="http://schemas.microsoft.com/office/drawing/2014/main" id="{5DEADB63-B88D-440A-86F1-88C6B6696728}"/>
+                </a:ext>
+              </a:extLst>
+            </p:cNvPr>
+            <p:cNvSpPr/>
+            <p:nvPr/>
+          </p:nvSpPr>
+          <p:spPr>
+            <a:xfrm>
+              <a:off x="5959675" y="3350805"/>
+              <a:ext cx="138560" cy="138560"/>
+            </a:xfrm>
+            <a:prstGeom prst="rect">
+              <a:avLst/>
+            </a:prstGeom>
+          </p:spPr>
+          <p:style>
+            <a:lnRef idx="2">
+              <a:schemeClr val="accent1">
+                <a:shade val="50000"/>
+              </a:schemeClr>
+            </a:lnRef>
+            <a:fillRef idx="1">
+              <a:schemeClr val="accent1"/>
+            </a:fillRef>
+            <a:effectRef idx="0">
+              <a:schemeClr val="accent1"/>
+            </a:effectRef>
+            <a:fontRef idx="minor">
+              <a:schemeClr val="lt1"/>
+            </a:fontRef>
+          </p:style>
+          <p:txBody>
+            <a:bodyPr rtlCol="0" anchor="ctr"/>
+            <a:lstStyle/>
+            <a:p>
+              <a:pPr algn="ctr"/>
+              <a:r>
+                <a:rPr lang="en-US" altLang="ko-KR" sz="800" b="1" dirty="0"/>
+                <a:t>9</a:t>
+              </a:r>
+              <a:endParaRPr lang="ko-KR" altLang="en-US" sz="1200" b="1" dirty="0"/>
+            </a:p>
+          </p:txBody>
+        </p:sp>
+        <p:sp>
+          <p:nvSpPr>
+            <p:cNvPr id="58" name="직사각형 57">
+              <a:extLst>
+                <a:ext uri="{FF2B5EF4-FFF2-40B4-BE49-F238E27FC236}">
+                  <a16:creationId xmlns:a16="http://schemas.microsoft.com/office/drawing/2014/main" id="{DAA891C2-D2EA-46F0-985A-60A4DCC7CDC6}"/>
+                </a:ext>
+              </a:extLst>
+            </p:cNvPr>
+            <p:cNvSpPr/>
+            <p:nvPr/>
+          </p:nvSpPr>
+          <p:spPr>
+            <a:xfrm>
+              <a:off x="5959675" y="3607035"/>
+              <a:ext cx="136325" cy="138560"/>
+            </a:xfrm>
+            <a:prstGeom prst="rect">
+              <a:avLst/>
+            </a:prstGeom>
+          </p:spPr>
+          <p:style>
+            <a:lnRef idx="2">
+              <a:schemeClr val="accent1">
+                <a:shade val="50000"/>
+              </a:schemeClr>
+            </a:lnRef>
+            <a:fillRef idx="1">
+              <a:schemeClr val="accent1"/>
+            </a:fillRef>
+            <a:effectRef idx="0">
+              <a:schemeClr val="accent1"/>
+            </a:effectRef>
+            <a:fontRef idx="minor">
+              <a:schemeClr val="lt1"/>
+            </a:fontRef>
+          </p:style>
+          <p:txBody>
+            <a:bodyPr lIns="0" tIns="0" rIns="0" bIns="0" rtlCol="0" anchor="ctr"/>
+            <a:lstStyle/>
+            <a:p>
+              <a:pPr algn="ctr"/>
+              <a:r>
+                <a:rPr lang="en-US" altLang="ko-KR" sz="800" b="1" dirty="0"/>
+                <a:t>10</a:t>
+              </a:r>
+              <a:endParaRPr lang="ko-KR" altLang="en-US" sz="800" b="1" dirty="0"/>
+            </a:p>
+          </p:txBody>
+        </p:sp>
+        <p:sp>
+          <p:nvSpPr>
+            <p:cNvPr id="59" name="직사각형 58">
+              <a:extLst>
+                <a:ext uri="{FF2B5EF4-FFF2-40B4-BE49-F238E27FC236}">
+                  <a16:creationId xmlns:a16="http://schemas.microsoft.com/office/drawing/2014/main" id="{5A3DE478-78B8-4067-AAF5-9D163EB9D1E8}"/>
+                </a:ext>
+              </a:extLst>
+            </p:cNvPr>
+            <p:cNvSpPr/>
+            <p:nvPr/>
+          </p:nvSpPr>
+          <p:spPr>
+            <a:xfrm>
+              <a:off x="5959675" y="3855751"/>
+              <a:ext cx="138560" cy="138560"/>
+            </a:xfrm>
+            <a:prstGeom prst="rect">
+              <a:avLst/>
+            </a:prstGeom>
+          </p:spPr>
+          <p:style>
+            <a:lnRef idx="2">
+              <a:schemeClr val="accent1">
+                <a:shade val="50000"/>
+              </a:schemeClr>
+            </a:lnRef>
+            <a:fillRef idx="1">
+              <a:schemeClr val="accent1"/>
+            </a:fillRef>
+            <a:effectRef idx="0">
+              <a:schemeClr val="accent1"/>
+            </a:effectRef>
+            <a:fontRef idx="minor">
+              <a:schemeClr val="lt1"/>
+            </a:fontRef>
+          </p:style>
+          <p:txBody>
+            <a:bodyPr lIns="0" tIns="0" rIns="0" bIns="0" rtlCol="0" anchor="ctr"/>
+            <a:lstStyle/>
+            <a:p>
+              <a:pPr algn="ctr"/>
+              <a:r>
+                <a:rPr lang="en-US" altLang="ko-KR" sz="800" b="1" dirty="0"/>
+                <a:t>11</a:t>
+              </a:r>
+              <a:endParaRPr lang="ko-KR" altLang="en-US" sz="1200" b="1" dirty="0"/>
+            </a:p>
+          </p:txBody>
+        </p:sp>
+        <p:sp>
+          <p:nvSpPr>
+            <p:cNvPr id="60" name="직사각형 59">
+              <a:extLst>
+                <a:ext uri="{FF2B5EF4-FFF2-40B4-BE49-F238E27FC236}">
+                  <a16:creationId xmlns:a16="http://schemas.microsoft.com/office/drawing/2014/main" id="{EA5F879E-DA46-45BA-94FB-24C1D472FFE7}"/>
+                </a:ext>
+              </a:extLst>
+            </p:cNvPr>
+            <p:cNvSpPr/>
+            <p:nvPr/>
+          </p:nvSpPr>
+          <p:spPr>
+            <a:xfrm>
+              <a:off x="5921449" y="2896521"/>
+              <a:ext cx="138560" cy="138560"/>
+            </a:xfrm>
+            <a:prstGeom prst="rect">
+              <a:avLst/>
+            </a:prstGeom>
+          </p:spPr>
+          <p:style>
+            <a:lnRef idx="2">
+              <a:schemeClr val="accent1">
+                <a:shade val="50000"/>
+              </a:schemeClr>
+            </a:lnRef>
+            <a:fillRef idx="1">
+              <a:schemeClr val="accent1"/>
+            </a:fillRef>
+            <a:effectRef idx="0">
+              <a:schemeClr val="accent1"/>
+            </a:effectRef>
+            <a:fontRef idx="minor">
+              <a:schemeClr val="lt1"/>
+            </a:fontRef>
+          </p:style>
+          <p:txBody>
+            <a:bodyPr rtlCol="0" anchor="ctr"/>
+            <a:lstStyle/>
+            <a:p>
+              <a:pPr algn="ctr"/>
+              <a:r>
+                <a:rPr lang="en-US" altLang="ko-KR" sz="800" b="1" dirty="0"/>
+                <a:t>8</a:t>
+              </a:r>
+              <a:endParaRPr lang="ko-KR" altLang="en-US" sz="1200" b="1" dirty="0"/>
+            </a:p>
+          </p:txBody>
+        </p:sp>
+        <p:sp>
+          <p:nvSpPr>
+            <p:cNvPr id="61" name="직사각형 60">
+              <a:extLst>
+                <a:ext uri="{FF2B5EF4-FFF2-40B4-BE49-F238E27FC236}">
+                  <a16:creationId xmlns:a16="http://schemas.microsoft.com/office/drawing/2014/main" id="{031F7814-E3BD-470A-938F-9270EF4F770C}"/>
+                </a:ext>
+              </a:extLst>
+            </p:cNvPr>
+            <p:cNvSpPr/>
+            <p:nvPr/>
+          </p:nvSpPr>
+          <p:spPr>
+            <a:xfrm>
+              <a:off x="3102293" y="1573617"/>
+              <a:ext cx="138560" cy="138560"/>
+            </a:xfrm>
+            <a:prstGeom prst="rect">
+              <a:avLst/>
+            </a:prstGeom>
+          </p:spPr>
+          <p:style>
+            <a:lnRef idx="2">
+              <a:schemeClr val="accent1">
+                <a:shade val="50000"/>
+              </a:schemeClr>
+            </a:lnRef>
+            <a:fillRef idx="1">
+              <a:schemeClr val="accent1"/>
+            </a:fillRef>
+            <a:effectRef idx="0">
+              <a:schemeClr val="accent1"/>
+            </a:effectRef>
+            <a:fontRef idx="minor">
+              <a:schemeClr val="lt1"/>
+            </a:fontRef>
+          </p:style>
+          <p:txBody>
+            <a:bodyPr rtlCol="0" anchor="ctr"/>
+            <a:lstStyle/>
+            <a:p>
+              <a:pPr algn="ctr"/>
+              <a:r>
+                <a:rPr lang="en-US" altLang="ko-KR" sz="800" b="1" dirty="0"/>
+                <a:t>0</a:t>
+              </a:r>
+              <a:endParaRPr lang="ko-KR" altLang="en-US" sz="1200" b="1" dirty="0"/>
+            </a:p>
+          </p:txBody>
+        </p:sp>
+      </p:grpSp>
     </p:spTree>
     <p:extLst>
       <p:ext uri="{BB962C8B-B14F-4D97-AF65-F5344CB8AC3E}">
